--- a/presentations/ImageRecognition.pptx
+++ b/presentations/ImageRecognition.pptx
@@ -300,7 +300,7 @@
           <a:p>
             <a:fld id="{F2853615-BFDE-46DE-814C-47EC6EF6D371}" type="datetimeFigureOut">
               <a:rPr lang="el-GR" smtClean="0"/>
-              <a:t>4/6/2018</a:t>
+              <a:t>14/6/2018</a:t>
             </a:fld>
             <a:endParaRPr lang="el-GR"/>
           </a:p>
@@ -500,7 +500,7 @@
           <a:p>
             <a:fld id="{F2853615-BFDE-46DE-814C-47EC6EF6D371}" type="datetimeFigureOut">
               <a:rPr lang="el-GR" smtClean="0"/>
-              <a:t>4/6/2018</a:t>
+              <a:t>14/6/2018</a:t>
             </a:fld>
             <a:endParaRPr lang="el-GR"/>
           </a:p>
@@ -675,7 +675,7 @@
           <a:p>
             <a:fld id="{F2853615-BFDE-46DE-814C-47EC6EF6D371}" type="datetimeFigureOut">
               <a:rPr lang="el-GR" smtClean="0"/>
-              <a:t>4/6/2018</a:t>
+              <a:t>14/6/2018</a:t>
             </a:fld>
             <a:endParaRPr lang="el-GR"/>
           </a:p>
@@ -840,7 +840,7 @@
           <a:p>
             <a:fld id="{F2853615-BFDE-46DE-814C-47EC6EF6D371}" type="datetimeFigureOut">
               <a:rPr lang="el-GR" smtClean="0"/>
-              <a:t>4/6/2018</a:t>
+              <a:t>14/6/2018</a:t>
             </a:fld>
             <a:endParaRPr lang="el-GR"/>
           </a:p>
@@ -979,7 +979,7 @@
           <a:p>
             <a:fld id="{F2853615-BFDE-46DE-814C-47EC6EF6D371}" type="datetimeFigureOut">
               <a:rPr lang="el-GR" smtClean="0"/>
-              <a:t>4/6/2018</a:t>
+              <a:t>14/6/2018</a:t>
             </a:fld>
             <a:endParaRPr lang="el-GR"/>
           </a:p>
@@ -1297,7 +1297,7 @@
           <a:p>
             <a:fld id="{F2853615-BFDE-46DE-814C-47EC6EF6D371}" type="datetimeFigureOut">
               <a:rPr lang="el-GR" smtClean="0"/>
-              <a:t>4/6/2018</a:t>
+              <a:t>14/6/2018</a:t>
             </a:fld>
             <a:endParaRPr lang="el-GR"/>
           </a:p>
@@ -1763,7 +1763,7 @@
           <a:p>
             <a:fld id="{F2853615-BFDE-46DE-814C-47EC6EF6D371}" type="datetimeFigureOut">
               <a:rPr lang="el-GR" smtClean="0"/>
-              <a:t>4/6/2018</a:t>
+              <a:t>14/6/2018</a:t>
             </a:fld>
             <a:endParaRPr lang="el-GR"/>
           </a:p>
@@ -1911,7 +1911,7 @@
           <a:p>
             <a:fld id="{F2853615-BFDE-46DE-814C-47EC6EF6D371}" type="datetimeFigureOut">
               <a:rPr lang="el-GR" smtClean="0"/>
-              <a:t>4/6/2018</a:t>
+              <a:t>14/6/2018</a:t>
             </a:fld>
             <a:endParaRPr lang="el-GR"/>
           </a:p>
@@ -2001,7 +2001,7 @@
           <a:p>
             <a:fld id="{F2853615-BFDE-46DE-814C-47EC6EF6D371}" type="datetimeFigureOut">
               <a:rPr lang="el-GR" smtClean="0"/>
-              <a:t>4/6/2018</a:t>
+              <a:t>14/6/2018</a:t>
             </a:fld>
             <a:endParaRPr lang="el-GR"/>
           </a:p>
@@ -2275,7 +2275,7 @@
           <a:p>
             <a:fld id="{F2853615-BFDE-46DE-814C-47EC6EF6D371}" type="datetimeFigureOut">
               <a:rPr lang="el-GR" smtClean="0"/>
-              <a:t>4/6/2018</a:t>
+              <a:t>14/6/2018</a:t>
             </a:fld>
             <a:endParaRPr lang="el-GR"/>
           </a:p>
@@ -2580,7 +2580,7 @@
           <a:p>
             <a:fld id="{F2853615-BFDE-46DE-814C-47EC6EF6D371}" type="datetimeFigureOut">
               <a:rPr lang="el-GR" smtClean="0"/>
-              <a:t>4/6/2018</a:t>
+              <a:t>14/6/2018</a:t>
             </a:fld>
             <a:endParaRPr lang="el-GR"/>
           </a:p>
@@ -2878,7 +2878,7 @@
           <a:p>
             <a:fld id="{F2853615-BFDE-46DE-814C-47EC6EF6D371}" type="datetimeFigureOut">
               <a:rPr lang="el-GR" smtClean="0"/>
-              <a:t>4/6/2018</a:t>
+              <a:t>14/6/2018</a:t>
             </a:fld>
             <a:endParaRPr lang="el-GR"/>
           </a:p>
@@ -3422,11 +3422,7 @@
           <a:p>
             <a:r>
               <a:rPr lang="en-US" dirty="0" smtClean="0"/>
-              <a:t>Image </a:t>
-            </a:r>
-            <a:r>
-              <a:rPr lang="en-US" dirty="0" smtClean="0"/>
-              <a:t>Recognition</a:t>
+              <a:t>Image Recognition</a:t>
             </a:r>
             <a:endParaRPr lang="el-GR" dirty="0"/>
           </a:p>
@@ -3461,16 +3457,11 @@
               <a:rPr lang="en-US" dirty="0" smtClean="0"/>
               <a:t> Dogs</a:t>
             </a:r>
-            <a:endParaRPr lang="en-US" dirty="0" smtClean="0"/>
           </a:p>
           <a:p>
             <a:r>
               <a:rPr lang="en-US" dirty="0" smtClean="0"/>
-              <a:t>Binary Classification </a:t>
-            </a:r>
-            <a:r>
-              <a:rPr lang="en-US" dirty="0" smtClean="0"/>
-              <a:t>problem</a:t>
+              <a:t>Binary Classification problem</a:t>
             </a:r>
           </a:p>
         </p:txBody>
@@ -3503,11 +3494,7 @@
             </a:r>
             <a:r>
               <a:rPr lang="en-GB" sz="1200"/>
-              <a:t>: </a:t>
-            </a:r>
-            <a:r>
-              <a:rPr lang="en-GB" sz="1200"/>
-              <a:t>https://www.kaggle.com/c/dogs-vs-cats/data</a:t>
+              <a:t>: https://www.kaggle.com/c/dogs-vs-cats/data</a:t>
             </a:r>
             <a:endParaRPr lang="el-GR" sz="1200" dirty="0"/>
           </a:p>
@@ -3701,11 +3688,7 @@
             </a:r>
             <a:r>
               <a:rPr lang="en-GB" sz="1200" dirty="0"/>
-              <a:t>: </a:t>
-            </a:r>
-            <a:r>
-              <a:rPr lang="en-GB" sz="1200" dirty="0"/>
-              <a:t>http://www.subsubroutine.com/sub-subroutine/2016/9/30/cats-and-dogs-and-convolutional-neural-networks</a:t>
+              <a:t>: http://www.subsubroutine.com/sub-subroutine/2016/9/30/cats-and-dogs-and-convolutional-neural-networks</a:t>
             </a:r>
             <a:endParaRPr lang="el-GR" sz="1200" dirty="0"/>
           </a:p>
@@ -3892,11 +3875,7 @@
             </a:r>
             <a:r>
               <a:rPr lang="en-GB" sz="1200" dirty="0"/>
-              <a:t>: </a:t>
-            </a:r>
-            <a:r>
-              <a:rPr lang="en-GB" sz="1200" dirty="0"/>
-              <a:t>https://blog.keras.io/building-powerful-image-classification-models-using-very-little-data.html</a:t>
+              <a:t>: https://blog.keras.io/building-powerful-image-classification-models-using-very-little-data.html</a:t>
             </a:r>
             <a:endParaRPr lang="el-GR" sz="1200" dirty="0"/>
           </a:p>
@@ -4013,11 +3992,7 @@
           <a:p>
             <a:r>
               <a:rPr lang="en-US" dirty="0" smtClean="0"/>
-              <a:t>Solution using </a:t>
-            </a:r>
-            <a:r>
-              <a:rPr lang="en-US" dirty="0" smtClean="0"/>
-              <a:t>CNN</a:t>
+              <a:t>Solution using CNN</a:t>
             </a:r>
             <a:endParaRPr lang="el-GR" dirty="0"/>
           </a:p>
@@ -4060,40 +4035,6 @@
               <a:rPr lang="en-US" dirty="0" smtClean="0"/>
               <a:t>3-layer dense</a:t>
             </a:r>
-          </a:p>
-        </p:txBody>
-      </p:sp>
-      <p:sp>
-        <p:nvSpPr>
-          <p:cNvPr id="5" name="TextBox 4"/>
-          <p:cNvSpPr txBox="1"/>
-          <p:nvPr/>
-        </p:nvSpPr>
-        <p:spPr>
-          <a:xfrm>
-            <a:off x="136307" y="6381328"/>
-            <a:ext cx="7460029" cy="276999"/>
-          </a:xfrm>
-          <a:prstGeom prst="rect">
-            <a:avLst/>
-          </a:prstGeom>
-          <a:noFill/>
-        </p:spPr>
-        <p:txBody>
-          <a:bodyPr wrap="square" rtlCol="0">
-            <a:spAutoFit/>
-          </a:bodyPr>
-          <a:lstStyle/>
-          <a:p>
-            <a:r>
-              <a:rPr lang="en-GB" sz="1200" dirty="0" smtClean="0"/>
-              <a:t>Source</a:t>
-            </a:r>
-            <a:r>
-              <a:rPr lang="en-GB" sz="1200" dirty="0"/>
-              <a:t>: https://github.com/wxs/keras-mnist-tutorial/blob/master/MNIST%20in%20Keras.ipynb</a:t>
-            </a:r>
-            <a:endParaRPr lang="el-GR" sz="1200" dirty="0"/>
           </a:p>
         </p:txBody>
       </p:sp>
@@ -4215,11 +4156,7 @@
           <a:p>
             <a:r>
               <a:rPr lang="en-US" dirty="0" smtClean="0"/>
-              <a:t>Solution </a:t>
-            </a:r>
-            <a:r>
-              <a:rPr lang="en-US" dirty="0" smtClean="0"/>
-              <a:t>using VGG16</a:t>
+              <a:t>Solution using VGG16</a:t>
             </a:r>
             <a:endParaRPr lang="el-GR" dirty="0"/>
           </a:p>
@@ -4259,7 +4196,6 @@
               <a:rPr lang="en-US" dirty="0" smtClean="0"/>
               <a:t>Extract bottleneck features</a:t>
             </a:r>
-            <a:endParaRPr lang="en-US" dirty="0" smtClean="0"/>
           </a:p>
           <a:p>
             <a:r>
@@ -4310,11 +4246,7 @@
             </a:r>
             <a:r>
               <a:rPr lang="en-GB" sz="1200" dirty="0"/>
-              <a:t>: </a:t>
-            </a:r>
-            <a:r>
-              <a:rPr lang="en-GB" sz="1200" dirty="0"/>
-              <a:t>https://www.slideshare.net/LalitJain29/object-classification-using-cnn-vgg16-model-keras-and-tensorflow</a:t>
+              <a:t>: https://www.slideshare.net/LalitJain29/object-classification-using-cnn-vgg16-model-keras-and-tensorflow</a:t>
             </a:r>
             <a:endParaRPr lang="el-GR" sz="1200" dirty="0"/>
           </a:p>

--- a/presentations/ImageRecognition.pptx
+++ b/presentations/ImageRecognition.pptx
@@ -11,6 +11,7 @@
     <p:sldId id="259" r:id="rId5"/>
     <p:sldId id="260" r:id="rId6"/>
     <p:sldId id="261" r:id="rId7"/>
+    <p:sldId id="263" r:id="rId8"/>
   </p:sldIdLst>
   <p:sldSz cx="9144000" cy="6858000" type="screen4x3"/>
   <p:notesSz cx="6858000" cy="9144000"/>
@@ -300,7 +301,7 @@
           <a:p>
             <a:fld id="{F2853615-BFDE-46DE-814C-47EC6EF6D371}" type="datetimeFigureOut">
               <a:rPr lang="el-GR" smtClean="0"/>
-              <a:t>14/6/2018</a:t>
+              <a:t>15/6/2018</a:t>
             </a:fld>
             <a:endParaRPr lang="el-GR"/>
           </a:p>
@@ -500,7 +501,7 @@
           <a:p>
             <a:fld id="{F2853615-BFDE-46DE-814C-47EC6EF6D371}" type="datetimeFigureOut">
               <a:rPr lang="el-GR" smtClean="0"/>
-              <a:t>14/6/2018</a:t>
+              <a:t>15/6/2018</a:t>
             </a:fld>
             <a:endParaRPr lang="el-GR"/>
           </a:p>
@@ -675,7 +676,7 @@
           <a:p>
             <a:fld id="{F2853615-BFDE-46DE-814C-47EC6EF6D371}" type="datetimeFigureOut">
               <a:rPr lang="el-GR" smtClean="0"/>
-              <a:t>14/6/2018</a:t>
+              <a:t>15/6/2018</a:t>
             </a:fld>
             <a:endParaRPr lang="el-GR"/>
           </a:p>
@@ -840,7 +841,7 @@
           <a:p>
             <a:fld id="{F2853615-BFDE-46DE-814C-47EC6EF6D371}" type="datetimeFigureOut">
               <a:rPr lang="el-GR" smtClean="0"/>
-              <a:t>14/6/2018</a:t>
+              <a:t>15/6/2018</a:t>
             </a:fld>
             <a:endParaRPr lang="el-GR"/>
           </a:p>
@@ -979,7 +980,7 @@
           <a:p>
             <a:fld id="{F2853615-BFDE-46DE-814C-47EC6EF6D371}" type="datetimeFigureOut">
               <a:rPr lang="el-GR" smtClean="0"/>
-              <a:t>14/6/2018</a:t>
+              <a:t>15/6/2018</a:t>
             </a:fld>
             <a:endParaRPr lang="el-GR"/>
           </a:p>
@@ -1297,7 +1298,7 @@
           <a:p>
             <a:fld id="{F2853615-BFDE-46DE-814C-47EC6EF6D371}" type="datetimeFigureOut">
               <a:rPr lang="el-GR" smtClean="0"/>
-              <a:t>14/6/2018</a:t>
+              <a:t>15/6/2018</a:t>
             </a:fld>
             <a:endParaRPr lang="el-GR"/>
           </a:p>
@@ -1763,7 +1764,7 @@
           <a:p>
             <a:fld id="{F2853615-BFDE-46DE-814C-47EC6EF6D371}" type="datetimeFigureOut">
               <a:rPr lang="el-GR" smtClean="0"/>
-              <a:t>14/6/2018</a:t>
+              <a:t>15/6/2018</a:t>
             </a:fld>
             <a:endParaRPr lang="el-GR"/>
           </a:p>
@@ -1911,7 +1912,7 @@
           <a:p>
             <a:fld id="{F2853615-BFDE-46DE-814C-47EC6EF6D371}" type="datetimeFigureOut">
               <a:rPr lang="el-GR" smtClean="0"/>
-              <a:t>14/6/2018</a:t>
+              <a:t>15/6/2018</a:t>
             </a:fld>
             <a:endParaRPr lang="el-GR"/>
           </a:p>
@@ -2001,7 +2002,7 @@
           <a:p>
             <a:fld id="{F2853615-BFDE-46DE-814C-47EC6EF6D371}" type="datetimeFigureOut">
               <a:rPr lang="el-GR" smtClean="0"/>
-              <a:t>14/6/2018</a:t>
+              <a:t>15/6/2018</a:t>
             </a:fld>
             <a:endParaRPr lang="el-GR"/>
           </a:p>
@@ -2275,7 +2276,7 @@
           <a:p>
             <a:fld id="{F2853615-BFDE-46DE-814C-47EC6EF6D371}" type="datetimeFigureOut">
               <a:rPr lang="el-GR" smtClean="0"/>
-              <a:t>14/6/2018</a:t>
+              <a:t>15/6/2018</a:t>
             </a:fld>
             <a:endParaRPr lang="el-GR"/>
           </a:p>
@@ -2580,7 +2581,7 @@
           <a:p>
             <a:fld id="{F2853615-BFDE-46DE-814C-47EC6EF6D371}" type="datetimeFigureOut">
               <a:rPr lang="el-GR" smtClean="0"/>
-              <a:t>14/6/2018</a:t>
+              <a:t>15/6/2018</a:t>
             </a:fld>
             <a:endParaRPr lang="el-GR"/>
           </a:p>
@@ -2878,7 +2879,7 @@
           <a:p>
             <a:fld id="{F2853615-BFDE-46DE-814C-47EC6EF6D371}" type="datetimeFigureOut">
               <a:rPr lang="el-GR" smtClean="0"/>
-              <a:t>14/6/2018</a:t>
+              <a:t>15/6/2018</a:t>
             </a:fld>
             <a:endParaRPr lang="el-GR"/>
           </a:p>
@@ -4156,6 +4157,176 @@
           <a:p>
             <a:r>
               <a:rPr lang="en-US" dirty="0" smtClean="0"/>
+              <a:t>Use </a:t>
+            </a:r>
+            <a:r>
+              <a:rPr lang="en-US" dirty="0" err="1" smtClean="0"/>
+              <a:t>pretrained</a:t>
+            </a:r>
+            <a:r>
+              <a:rPr lang="en-US" dirty="0" smtClean="0"/>
+              <a:t> model</a:t>
+            </a:r>
+            <a:endParaRPr lang="el-GR" dirty="0"/>
+          </a:p>
+        </p:txBody>
+      </p:sp>
+      <p:sp>
+        <p:nvSpPr>
+          <p:cNvPr id="3" name="Θέση περιεχομένου 2"/>
+          <p:cNvSpPr>
+            <a:spLocks noGrp="1"/>
+          </p:cNvSpPr>
+          <p:nvPr>
+            <p:ph idx="1"/>
+          </p:nvPr>
+        </p:nvSpPr>
+        <p:spPr/>
+        <p:txBody>
+          <a:bodyPr/>
+          <a:lstStyle/>
+          <a:p>
+            <a:r>
+              <a:rPr lang="en-US" dirty="0" smtClean="0"/>
+              <a:t>VGG16 architecture</a:t>
+            </a:r>
+            <a:endParaRPr lang="en-US" dirty="0" smtClean="0"/>
+          </a:p>
+        </p:txBody>
+      </p:sp>
+      <p:sp>
+        <p:nvSpPr>
+          <p:cNvPr id="5" name="TextBox 4"/>
+          <p:cNvSpPr txBox="1"/>
+          <p:nvPr/>
+        </p:nvSpPr>
+        <p:spPr>
+          <a:xfrm>
+            <a:off x="136307" y="6381328"/>
+            <a:ext cx="8540149" cy="276999"/>
+          </a:xfrm>
+          <a:prstGeom prst="rect">
+            <a:avLst/>
+          </a:prstGeom>
+          <a:noFill/>
+        </p:spPr>
+        <p:txBody>
+          <a:bodyPr wrap="square" rtlCol="0">
+            <a:spAutoFit/>
+          </a:bodyPr>
+          <a:lstStyle/>
+          <a:p>
+            <a:r>
+              <a:rPr lang="en-GB" sz="1200" dirty="0" smtClean="0"/>
+              <a:t>Source</a:t>
+            </a:r>
+            <a:r>
+              <a:rPr lang="en-GB" sz="1200" dirty="0"/>
+              <a:t>: </a:t>
+            </a:r>
+            <a:r>
+              <a:rPr lang="en-GB" sz="1200" dirty="0"/>
+              <a:t>https://www.researchgate.net/figure/VGG16-architecture-16_fig2_321829624</a:t>
+            </a:r>
+            <a:endParaRPr lang="el-GR" sz="1200" dirty="0"/>
+          </a:p>
+        </p:txBody>
+      </p:sp>
+      <p:pic>
+        <p:nvPicPr>
+          <p:cNvPr id="1026" name="Picture 2" descr="https://www.safaribooksonline.com/library/view/machine-learning-with/9781786462961/assets/f36fb94f-8824-43f8-a44b-e437972b52ed.png"/>
+          <p:cNvPicPr>
+            <a:picLocks noChangeAspect="1" noChangeArrowheads="1"/>
+          </p:cNvPicPr>
+          <p:nvPr/>
+        </p:nvPicPr>
+        <p:blipFill>
+          <a:blip r:embed="rId2">
+            <a:extLst>
+              <a:ext uri="{28A0092B-C50C-407E-A947-70E740481C1C}">
+                <a14:useLocalDpi xmlns:a14="http://schemas.microsoft.com/office/drawing/2010/main" val="0"/>
+              </a:ext>
+            </a:extLst>
+          </a:blip>
+          <a:srcRect/>
+          <a:stretch>
+            <a:fillRect/>
+          </a:stretch>
+        </p:blipFill>
+        <p:spPr bwMode="auto">
+          <a:xfrm>
+            <a:off x="886913" y="2076457"/>
+            <a:ext cx="7429503" cy="4232863"/>
+          </a:xfrm>
+          <a:prstGeom prst="rect">
+            <a:avLst/>
+          </a:prstGeom>
+          <a:noFill/>
+          <a:extLst>
+            <a:ext uri="{909E8E84-426E-40DD-AFC4-6F175D3DCCD1}">
+              <a14:hiddenFill xmlns:a14="http://schemas.microsoft.com/office/drawing/2010/main">
+                <a:solidFill>
+                  <a:srgbClr val="FFFFFF"/>
+                </a:solidFill>
+              </a14:hiddenFill>
+            </a:ext>
+          </a:extLst>
+        </p:spPr>
+      </p:pic>
+    </p:spTree>
+    <p:extLst>
+      <p:ext uri="{BB962C8B-B14F-4D97-AF65-F5344CB8AC3E}">
+        <p14:creationId xmlns:p14="http://schemas.microsoft.com/office/powerpoint/2010/main" val="1948359509"/>
+      </p:ext>
+    </p:extLst>
+  </p:cSld>
+  <p:clrMapOvr>
+    <a:masterClrMapping/>
+  </p:clrMapOvr>
+  <p:timing>
+    <p:tnLst>
+      <p:par>
+        <p:cTn id="1" dur="indefinite" restart="never" nodeType="tmRoot"/>
+      </p:par>
+    </p:tnLst>
+  </p:timing>
+</p:sld>
+</file>
+
+<file path=ppt/slides/slide7.xml><?xml version="1.0" encoding="utf-8"?>
+<p:sld xmlns:a="http://schemas.openxmlformats.org/drawingml/2006/main" xmlns:r="http://schemas.openxmlformats.org/officeDocument/2006/relationships" xmlns:p="http://schemas.openxmlformats.org/presentationml/2006/main">
+  <p:cSld>
+    <p:spTree>
+      <p:nvGrpSpPr>
+        <p:cNvPr id="1" name=""/>
+        <p:cNvGrpSpPr/>
+        <p:nvPr/>
+      </p:nvGrpSpPr>
+      <p:grpSpPr>
+        <a:xfrm>
+          <a:off x="0" y="0"/>
+          <a:ext cx="0" cy="0"/>
+          <a:chOff x="0" y="0"/>
+          <a:chExt cx="0" cy="0"/>
+        </a:xfrm>
+      </p:grpSpPr>
+      <p:sp>
+        <p:nvSpPr>
+          <p:cNvPr id="2" name="Τίτλος 1"/>
+          <p:cNvSpPr>
+            <a:spLocks noGrp="1"/>
+          </p:cNvSpPr>
+          <p:nvPr>
+            <p:ph type="title"/>
+          </p:nvPr>
+        </p:nvSpPr>
+        <p:spPr/>
+        <p:txBody>
+          <a:bodyPr/>
+          <a:lstStyle/>
+          <a:p>
+            <a:r>
+              <a:rPr lang="en-US" dirty="0" smtClean="0"/>
               <a:t>Solution using VGG16</a:t>
             </a:r>
             <a:endParaRPr lang="el-GR" dirty="0"/>
@@ -4392,7 +4563,7 @@
     </p:spTree>
     <p:extLst>
       <p:ext uri="{BB962C8B-B14F-4D97-AF65-F5344CB8AC3E}">
-        <p14:creationId xmlns:p14="http://schemas.microsoft.com/office/powerpoint/2010/main" val="1948359509"/>
+        <p14:creationId xmlns:p14="http://schemas.microsoft.com/office/powerpoint/2010/main" val="3399068792"/>
       </p:ext>
     </p:extLst>
   </p:cSld>
